--- a/docs/diagrams/SortSequenceDiagram.pptx
+++ b/docs/diagrams/SortSequenceDiagram.pptx
@@ -208,7 +208,7 @@
           <a:p>
             <a:fld id="{F5CC4B3F-88C1-4FFA-B1B6-F41C21DC6924}" type="datetimeFigureOut">
               <a:rPr lang="en-US" smtClean="0"/>
-              <a:t>10/13/2018</a:t>
+              <a:t>10/14/2018</a:t>
             </a:fld>
             <a:endParaRPr lang="en-US"/>
           </a:p>
@@ -654,7 +654,7 @@
           <a:p>
             <a:fld id="{78C97017-6FC3-485B-9764-EAC9E56C1D49}" type="datetimeFigureOut">
               <a:rPr lang="en-US" smtClean="0"/>
-              <a:t>10/13/2018</a:t>
+              <a:t>10/14/2018</a:t>
             </a:fld>
             <a:endParaRPr lang="en-US"/>
           </a:p>
@@ -822,7 +822,7 @@
           <a:p>
             <a:fld id="{78C97017-6FC3-485B-9764-EAC9E56C1D49}" type="datetimeFigureOut">
               <a:rPr lang="en-US" smtClean="0"/>
-              <a:t>10/13/2018</a:t>
+              <a:t>10/14/2018</a:t>
             </a:fld>
             <a:endParaRPr lang="en-US"/>
           </a:p>
@@ -1000,7 +1000,7 @@
           <a:p>
             <a:fld id="{78C97017-6FC3-485B-9764-EAC9E56C1D49}" type="datetimeFigureOut">
               <a:rPr lang="en-US" smtClean="0"/>
-              <a:t>10/13/2018</a:t>
+              <a:t>10/14/2018</a:t>
             </a:fld>
             <a:endParaRPr lang="en-US"/>
           </a:p>
@@ -1168,7 +1168,7 @@
           <a:p>
             <a:fld id="{78C97017-6FC3-485B-9764-EAC9E56C1D49}" type="datetimeFigureOut">
               <a:rPr lang="en-US" smtClean="0"/>
-              <a:t>10/13/2018</a:t>
+              <a:t>10/14/2018</a:t>
             </a:fld>
             <a:endParaRPr lang="en-US"/>
           </a:p>
@@ -1413,7 +1413,7 @@
           <a:p>
             <a:fld id="{78C97017-6FC3-485B-9764-EAC9E56C1D49}" type="datetimeFigureOut">
               <a:rPr lang="en-US" smtClean="0"/>
-              <a:t>10/13/2018</a:t>
+              <a:t>10/14/2018</a:t>
             </a:fld>
             <a:endParaRPr lang="en-US"/>
           </a:p>
@@ -1698,7 +1698,7 @@
           <a:p>
             <a:fld id="{78C97017-6FC3-485B-9764-EAC9E56C1D49}" type="datetimeFigureOut">
               <a:rPr lang="en-US" smtClean="0"/>
-              <a:t>10/13/2018</a:t>
+              <a:t>10/14/2018</a:t>
             </a:fld>
             <a:endParaRPr lang="en-US"/>
           </a:p>
@@ -2117,7 +2117,7 @@
           <a:p>
             <a:fld id="{78C97017-6FC3-485B-9764-EAC9E56C1D49}" type="datetimeFigureOut">
               <a:rPr lang="en-US" smtClean="0"/>
-              <a:t>10/13/2018</a:t>
+              <a:t>10/14/2018</a:t>
             </a:fld>
             <a:endParaRPr lang="en-US"/>
           </a:p>
@@ -2234,7 +2234,7 @@
           <a:p>
             <a:fld id="{78C97017-6FC3-485B-9764-EAC9E56C1D49}" type="datetimeFigureOut">
               <a:rPr lang="en-US" smtClean="0"/>
-              <a:t>10/13/2018</a:t>
+              <a:t>10/14/2018</a:t>
             </a:fld>
             <a:endParaRPr lang="en-US"/>
           </a:p>
@@ -2329,7 +2329,7 @@
           <a:p>
             <a:fld id="{78C97017-6FC3-485B-9764-EAC9E56C1D49}" type="datetimeFigureOut">
               <a:rPr lang="en-US" smtClean="0"/>
-              <a:t>10/13/2018</a:t>
+              <a:t>10/14/2018</a:t>
             </a:fld>
             <a:endParaRPr lang="en-US"/>
           </a:p>
@@ -2604,7 +2604,7 @@
           <a:p>
             <a:fld id="{78C97017-6FC3-485B-9764-EAC9E56C1D49}" type="datetimeFigureOut">
               <a:rPr lang="en-US" smtClean="0"/>
-              <a:t>10/13/2018</a:t>
+              <a:t>10/14/2018</a:t>
             </a:fld>
             <a:endParaRPr lang="en-US"/>
           </a:p>
@@ -2856,7 +2856,7 @@
           <a:p>
             <a:fld id="{78C97017-6FC3-485B-9764-EAC9E56C1D49}" type="datetimeFigureOut">
               <a:rPr lang="en-US" smtClean="0"/>
-              <a:t>10/13/2018</a:t>
+              <a:t>10/14/2018</a:t>
             </a:fld>
             <a:endParaRPr lang="en-US"/>
           </a:p>
@@ -3067,7 +3067,7 @@
           <a:p>
             <a:fld id="{78C97017-6FC3-485B-9764-EAC9E56C1D49}" type="datetimeFigureOut">
               <a:rPr lang="en-US" smtClean="0"/>
-              <a:t>10/13/2018</a:t>
+              <a:t>10/14/2018</a:t>
             </a:fld>
             <a:endParaRPr lang="en-US"/>
           </a:p>
@@ -3450,8 +3450,8 @@
         </p:nvSpPr>
         <p:spPr>
           <a:xfrm>
-            <a:off x="6459374" y="118895"/>
-            <a:ext cx="2585111" cy="4400926"/>
+            <a:off x="6462268" y="171074"/>
+            <a:ext cx="4358132" cy="4335344"/>
           </a:xfrm>
           <a:prstGeom prst="roundRect">
             <a:avLst>
@@ -4282,7 +4282,7 @@
         </p:nvSpPr>
         <p:spPr>
           <a:xfrm>
-            <a:off x="5980472" y="2744929"/>
+            <a:off x="5969384" y="2749914"/>
             <a:ext cx="878422" cy="184666"/>
           </a:xfrm>
           <a:prstGeom prst="rect">
@@ -4314,7 +4314,7 @@
                   <a:srgbClr val="7030A0"/>
                 </a:solidFill>
               </a:rPr>
-              <a:t>getEventList</a:t>
+              <a:t>sortByName</a:t>
             </a:r>
             <a:r>
               <a:rPr lang="en-US" sz="1200" dirty="0">
@@ -4599,7 +4599,7 @@
         <p:spPr>
           <a:xfrm>
             <a:off x="6887527" y="2958107"/>
-            <a:ext cx="164422" cy="547094"/>
+            <a:ext cx="137126" cy="1203238"/>
           </a:xfrm>
           <a:prstGeom prst="rect">
             <a:avLst/>
@@ -4916,12 +4916,85 @@
           </a:fontRef>
         </p:style>
       </p:cxnSp>
+      <p:sp>
+        <p:nvSpPr>
+          <p:cNvPr id="48" name="Rectangle 62">
+            <a:extLst>
+              <a:ext uri="{FF2B5EF4-FFF2-40B4-BE49-F238E27FC236}">
+                <a16:creationId xmlns:a16="http://schemas.microsoft.com/office/drawing/2014/main" id="{4D23FA39-71AA-4097-948B-8B69345FAF5B}"/>
+              </a:ext>
+            </a:extLst>
+          </p:cNvPr>
+          <p:cNvSpPr/>
+          <p:nvPr/>
+        </p:nvSpPr>
+        <p:spPr>
+          <a:xfrm>
+            <a:off x="7214051" y="1899550"/>
+            <a:ext cx="1830434" cy="333846"/>
+          </a:xfrm>
+          <a:prstGeom prst="rect">
+            <a:avLst/>
+          </a:prstGeom>
+          <a:solidFill>
+            <a:srgbClr val="7030A0"/>
+          </a:solidFill>
+          <a:ln w="19050">
+            <a:solidFill>
+              <a:srgbClr val="7030A0"/>
+            </a:solidFill>
+          </a:ln>
+          <a:effectLst/>
+        </p:spPr>
+        <p:style>
+          <a:lnRef idx="1">
+            <a:schemeClr val="accent2"/>
+          </a:lnRef>
+          <a:fillRef idx="2">
+            <a:schemeClr val="accent2"/>
+          </a:fillRef>
+          <a:effectRef idx="1">
+            <a:schemeClr val="accent2"/>
+          </a:effectRef>
+          <a:fontRef idx="minor">
+            <a:schemeClr val="dk1"/>
+          </a:fontRef>
+        </p:style>
+        <p:txBody>
+          <a:bodyPr rtlCol="0" anchor="ctr"/>
+          <a:lstStyle/>
+          <a:p>
+            <a:pPr algn="ctr"/>
+            <a:r>
+              <a:rPr lang="en-US" sz="1600" dirty="0">
+                <a:solidFill>
+                  <a:schemeClr val="bg1"/>
+                </a:solidFill>
+              </a:rPr>
+              <a:t>: </a:t>
+            </a:r>
+            <a:r>
+              <a:rPr lang="en-US" sz="1600" dirty="0" err="1">
+                <a:solidFill>
+                  <a:schemeClr val="bg1"/>
+                </a:solidFill>
+              </a:rPr>
+              <a:t>ReadOnlyEventList</a:t>
+            </a:r>
+            <a:endParaRPr lang="en-SG" sz="1600" dirty="0">
+              <a:solidFill>
+                <a:schemeClr val="bg1"/>
+              </a:solidFill>
+            </a:endParaRPr>
+          </a:p>
+        </p:txBody>
+      </p:sp>
       <p:cxnSp>
         <p:nvCxnSpPr>
-          <p:cNvPr id="63" name="Straight Arrow Connector 62">
+          <p:cNvPr id="51" name="Straight Connector 50">
             <a:extLst>
               <a:ext uri="{FF2B5EF4-FFF2-40B4-BE49-F238E27FC236}">
-                <a16:creationId xmlns:a16="http://schemas.microsoft.com/office/drawing/2014/main" id="{7C9F21BC-13A9-471F-825A-2621FD36355F}"/>
+                <a16:creationId xmlns:a16="http://schemas.microsoft.com/office/drawing/2014/main" id="{DDBD79A9-8D7E-4A8B-A1A5-3EFD3BA2927D}"/>
               </a:ext>
             </a:extLst>
           </p:cNvPr>
@@ -4932,10 +5005,10 @@
         </p:nvCxnSpPr>
         <p:spPr>
           <a:xfrm>
-            <a:off x="5683749" y="3402965"/>
-            <a:ext cx="1296056" cy="0"/>
-          </a:xfrm>
-          <a:prstGeom prst="straightConnector1">
+            <a:off x="8130508" y="2233396"/>
+            <a:ext cx="0" cy="2155620"/>
+          </a:xfrm>
+          <a:prstGeom prst="line">
             <a:avLst/>
           </a:prstGeom>
           <a:ln w="19050">
@@ -4943,8 +5016,336 @@
               <a:srgbClr val="7030A0"/>
             </a:solidFill>
             <a:prstDash val="sysDash"/>
-            <a:headEnd type="arrow" w="med" len="med"/>
-            <a:tailEnd type="none" w="med" len="med"/>
+          </a:ln>
+          <a:effectLst/>
+        </p:spPr>
+        <p:style>
+          <a:lnRef idx="1">
+            <a:schemeClr val="accent1"/>
+          </a:lnRef>
+          <a:fillRef idx="2">
+            <a:schemeClr val="accent1"/>
+          </a:fillRef>
+          <a:effectRef idx="1">
+            <a:schemeClr val="accent1"/>
+          </a:effectRef>
+          <a:fontRef idx="minor">
+            <a:schemeClr val="dk1"/>
+          </a:fontRef>
+        </p:style>
+      </p:cxnSp>
+      <p:sp>
+        <p:nvSpPr>
+          <p:cNvPr id="53" name="Rectangle 52">
+            <a:extLst>
+              <a:ext uri="{FF2B5EF4-FFF2-40B4-BE49-F238E27FC236}">
+                <a16:creationId xmlns:a16="http://schemas.microsoft.com/office/drawing/2014/main" id="{232A9423-93F6-4CF7-80E9-F4F15CBF183C}"/>
+              </a:ext>
+            </a:extLst>
+          </p:cNvPr>
+          <p:cNvSpPr/>
+          <p:nvPr/>
+        </p:nvSpPr>
+        <p:spPr>
+          <a:xfrm>
+            <a:off x="8061675" y="3276603"/>
+            <a:ext cx="167925" cy="759859"/>
+          </a:xfrm>
+          <a:prstGeom prst="rect">
+            <a:avLst/>
+          </a:prstGeom>
+          <a:solidFill>
+            <a:srgbClr val="7030A0"/>
+          </a:solidFill>
+          <a:ln>
+            <a:solidFill>
+              <a:srgbClr val="7030A0"/>
+            </a:solidFill>
+          </a:ln>
+          <a:effectLst/>
+        </p:spPr>
+        <p:style>
+          <a:lnRef idx="1">
+            <a:schemeClr val="accent3"/>
+          </a:lnRef>
+          <a:fillRef idx="2">
+            <a:schemeClr val="accent3"/>
+          </a:fillRef>
+          <a:effectRef idx="1">
+            <a:schemeClr val="accent3"/>
+          </a:effectRef>
+          <a:fontRef idx="minor">
+            <a:schemeClr val="dk1"/>
+          </a:fontRef>
+        </p:style>
+        <p:txBody>
+          <a:bodyPr rtlCol="0" anchor="ctr"/>
+          <a:lstStyle/>
+          <a:p>
+            <a:pPr algn="ctr"/>
+            <a:endParaRPr lang="en-SG" sz="1400"/>
+          </a:p>
+        </p:txBody>
+      </p:sp>
+      <p:sp>
+        <p:nvSpPr>
+          <p:cNvPr id="57" name="TextBox 56">
+            <a:extLst>
+              <a:ext uri="{FF2B5EF4-FFF2-40B4-BE49-F238E27FC236}">
+                <a16:creationId xmlns:a16="http://schemas.microsoft.com/office/drawing/2014/main" id="{1AB24466-D0FE-4719-8532-A2E596F390AD}"/>
+              </a:ext>
+            </a:extLst>
+          </p:cNvPr>
+          <p:cNvSpPr txBox="1"/>
+          <p:nvPr/>
+        </p:nvSpPr>
+        <p:spPr>
+          <a:xfrm>
+            <a:off x="7133107" y="3218873"/>
+            <a:ext cx="878422" cy="184666"/>
+          </a:xfrm>
+          <a:prstGeom prst="rect">
+            <a:avLst/>
+          </a:prstGeom>
+          <a:noFill/>
+        </p:spPr>
+        <p:txBody>
+          <a:bodyPr wrap="square" lIns="0" tIns="0" rIns="0" bIns="0" rtlCol="0">
+            <a:spAutoFit/>
+          </a:bodyPr>
+          <a:lstStyle>
+            <a:defPPr>
+              <a:defRPr lang="en-US"/>
+            </a:defPPr>
+            <a:lvl1pPr algn="r">
+              <a:defRPr sz="1400">
+                <a:solidFill>
+                  <a:srgbClr val="0070C0"/>
+                </a:solidFill>
+              </a:defRPr>
+            </a:lvl1pPr>
+          </a:lstStyle>
+          <a:p>
+            <a:pPr algn="l"/>
+            <a:r>
+              <a:rPr lang="en-US" sz="1200" dirty="0" err="1">
+                <a:solidFill>
+                  <a:srgbClr val="7030A0"/>
+                </a:solidFill>
+              </a:rPr>
+              <a:t>sortByName</a:t>
+            </a:r>
+            <a:r>
+              <a:rPr lang="en-US" sz="1200" dirty="0">
+                <a:solidFill>
+                  <a:srgbClr val="7030A0"/>
+                </a:solidFill>
+              </a:rPr>
+              <a:t>()</a:t>
+            </a:r>
+            <a:endParaRPr lang="en-US" sz="1200" dirty="0"/>
+          </a:p>
+        </p:txBody>
+      </p:sp>
+      <p:sp>
+        <p:nvSpPr>
+          <p:cNvPr id="41" name="Rectangle 62">
+            <a:extLst>
+              <a:ext uri="{FF2B5EF4-FFF2-40B4-BE49-F238E27FC236}">
+                <a16:creationId xmlns:a16="http://schemas.microsoft.com/office/drawing/2014/main" id="{DB99BD7D-D90B-45BD-B9F3-737502DBBF2D}"/>
+              </a:ext>
+            </a:extLst>
+          </p:cNvPr>
+          <p:cNvSpPr/>
+          <p:nvPr/>
+        </p:nvSpPr>
+        <p:spPr>
+          <a:xfrm>
+            <a:off x="8412074" y="2342483"/>
+            <a:ext cx="1830434" cy="333846"/>
+          </a:xfrm>
+          <a:prstGeom prst="rect">
+            <a:avLst/>
+          </a:prstGeom>
+          <a:solidFill>
+            <a:srgbClr val="7030A0"/>
+          </a:solidFill>
+          <a:ln w="19050">
+            <a:solidFill>
+              <a:srgbClr val="7030A0"/>
+            </a:solidFill>
+          </a:ln>
+          <a:effectLst/>
+        </p:spPr>
+        <p:style>
+          <a:lnRef idx="1">
+            <a:schemeClr val="accent2"/>
+          </a:lnRef>
+          <a:fillRef idx="2">
+            <a:schemeClr val="accent2"/>
+          </a:fillRef>
+          <a:effectRef idx="1">
+            <a:schemeClr val="accent2"/>
+          </a:effectRef>
+          <a:fontRef idx="minor">
+            <a:schemeClr val="dk1"/>
+          </a:fontRef>
+        </p:style>
+        <p:txBody>
+          <a:bodyPr rtlCol="0" anchor="ctr"/>
+          <a:lstStyle/>
+          <a:p>
+            <a:pPr algn="ctr"/>
+            <a:r>
+              <a:rPr lang="en-US" sz="1600" dirty="0">
+                <a:solidFill>
+                  <a:schemeClr val="bg1"/>
+                </a:solidFill>
+              </a:rPr>
+              <a:t>: </a:t>
+            </a:r>
+            <a:r>
+              <a:rPr lang="en-US" sz="1600" dirty="0" err="1">
+                <a:solidFill>
+                  <a:schemeClr val="bg1"/>
+                </a:solidFill>
+              </a:rPr>
+              <a:t>UniqueEventList</a:t>
+            </a:r>
+            <a:endParaRPr lang="en-SG" sz="1600" dirty="0">
+              <a:solidFill>
+                <a:schemeClr val="bg1"/>
+              </a:solidFill>
+            </a:endParaRPr>
+          </a:p>
+        </p:txBody>
+      </p:sp>
+      <p:cxnSp>
+        <p:nvCxnSpPr>
+          <p:cNvPr id="42" name="Straight Connector 41">
+            <a:extLst>
+              <a:ext uri="{FF2B5EF4-FFF2-40B4-BE49-F238E27FC236}">
+                <a16:creationId xmlns:a16="http://schemas.microsoft.com/office/drawing/2014/main" id="{F24DA641-1C0D-4BDB-81FC-BD438C36F54F}"/>
+              </a:ext>
+            </a:extLst>
+          </p:cNvPr>
+          <p:cNvCxnSpPr>
+            <a:cxnSpLocks/>
+          </p:cNvCxnSpPr>
+          <p:nvPr/>
+        </p:nvCxnSpPr>
+        <p:spPr>
+          <a:xfrm>
+            <a:off x="9372600" y="2676329"/>
+            <a:ext cx="0" cy="1712687"/>
+          </a:xfrm>
+          <a:prstGeom prst="line">
+            <a:avLst/>
+          </a:prstGeom>
+          <a:ln w="19050">
+            <a:solidFill>
+              <a:srgbClr val="7030A0"/>
+            </a:solidFill>
+            <a:prstDash val="sysDash"/>
+          </a:ln>
+          <a:effectLst/>
+        </p:spPr>
+        <p:style>
+          <a:lnRef idx="1">
+            <a:schemeClr val="accent1"/>
+          </a:lnRef>
+          <a:fillRef idx="2">
+            <a:schemeClr val="accent1"/>
+          </a:fillRef>
+          <a:effectRef idx="1">
+            <a:schemeClr val="accent1"/>
+          </a:effectRef>
+          <a:fontRef idx="minor">
+            <a:schemeClr val="dk1"/>
+          </a:fontRef>
+        </p:style>
+      </p:cxnSp>
+      <p:sp>
+        <p:nvSpPr>
+          <p:cNvPr id="45" name="Rectangle 44">
+            <a:extLst>
+              <a:ext uri="{FF2B5EF4-FFF2-40B4-BE49-F238E27FC236}">
+                <a16:creationId xmlns:a16="http://schemas.microsoft.com/office/drawing/2014/main" id="{BF7AE52A-2FFC-4E00-A8B9-E8FE67A9E11A}"/>
+              </a:ext>
+            </a:extLst>
+          </p:cNvPr>
+          <p:cNvSpPr/>
+          <p:nvPr/>
+        </p:nvSpPr>
+        <p:spPr>
+          <a:xfrm>
+            <a:off x="9290391" y="3670419"/>
+            <a:ext cx="143856" cy="359720"/>
+          </a:xfrm>
+          <a:prstGeom prst="rect">
+            <a:avLst/>
+          </a:prstGeom>
+          <a:solidFill>
+            <a:srgbClr val="7030A0"/>
+          </a:solidFill>
+          <a:ln>
+            <a:solidFill>
+              <a:srgbClr val="7030A0"/>
+            </a:solidFill>
+          </a:ln>
+          <a:effectLst/>
+        </p:spPr>
+        <p:style>
+          <a:lnRef idx="1">
+            <a:schemeClr val="accent3"/>
+          </a:lnRef>
+          <a:fillRef idx="2">
+            <a:schemeClr val="accent3"/>
+          </a:fillRef>
+          <a:effectRef idx="1">
+            <a:schemeClr val="accent3"/>
+          </a:effectRef>
+          <a:fontRef idx="minor">
+            <a:schemeClr val="dk1"/>
+          </a:fontRef>
+        </p:style>
+        <p:txBody>
+          <a:bodyPr rtlCol="0" anchor="ctr"/>
+          <a:lstStyle/>
+          <a:p>
+            <a:pPr algn="ctr"/>
+            <a:endParaRPr lang="en-SG" sz="1400"/>
+          </a:p>
+        </p:txBody>
+      </p:sp>
+      <p:cxnSp>
+        <p:nvCxnSpPr>
+          <p:cNvPr id="52" name="Curved Connector 12">
+            <a:extLst>
+              <a:ext uri="{FF2B5EF4-FFF2-40B4-BE49-F238E27FC236}">
+                <a16:creationId xmlns:a16="http://schemas.microsoft.com/office/drawing/2014/main" id="{2B538C78-CF82-4C4D-B61C-FE35489A96A1}"/>
+              </a:ext>
+            </a:extLst>
+          </p:cNvPr>
+          <p:cNvCxnSpPr/>
+          <p:nvPr/>
+        </p:nvCxnSpPr>
+        <p:spPr>
+          <a:xfrm rot="16200000" flipH="1">
+            <a:off x="9354817" y="3697962"/>
+            <a:ext cx="156923" cy="76200"/>
+          </a:xfrm>
+          <a:prstGeom prst="curvedConnector4">
+            <a:avLst>
+              <a:gd name="adj1" fmla="val -145677"/>
+              <a:gd name="adj2" fmla="val 400000"/>
+            </a:avLst>
+          </a:prstGeom>
+          <a:ln>
+            <a:solidFill>
+              <a:srgbClr val="7030A0"/>
+            </a:solidFill>
+            <a:tailEnd type="triangle"/>
           </a:ln>
         </p:spPr>
         <p:style>
@@ -4962,12 +5363,56 @@
           </a:fontRef>
         </p:style>
       </p:cxnSp>
-      <p:sp>
-        <p:nvSpPr>
-          <p:cNvPr id="44" name="TextBox 43">
+      <p:cxnSp>
+        <p:nvCxnSpPr>
+          <p:cNvPr id="55" name="Straight Arrow Connector 54">
             <a:extLst>
               <a:ext uri="{FF2B5EF4-FFF2-40B4-BE49-F238E27FC236}">
-                <a16:creationId xmlns:a16="http://schemas.microsoft.com/office/drawing/2014/main" id="{DF857FD6-8E21-435F-80DC-BB3763D4F7AE}"/>
+                <a16:creationId xmlns:a16="http://schemas.microsoft.com/office/drawing/2014/main" id="{25CFCD23-6378-4A03-97A5-99EFA0B9AD1C}"/>
+              </a:ext>
+            </a:extLst>
+          </p:cNvPr>
+          <p:cNvCxnSpPr>
+            <a:cxnSpLocks/>
+          </p:cNvCxnSpPr>
+          <p:nvPr/>
+        </p:nvCxnSpPr>
+        <p:spPr>
+          <a:xfrm>
+            <a:off x="8229600" y="3742180"/>
+            <a:ext cx="1066800" cy="0"/>
+          </a:xfrm>
+          <a:prstGeom prst="straightConnector1">
+            <a:avLst/>
+          </a:prstGeom>
+          <a:ln w="19050">
+            <a:solidFill>
+              <a:srgbClr val="7030A0"/>
+            </a:solidFill>
+            <a:tailEnd type="arrow"/>
+          </a:ln>
+        </p:spPr>
+        <p:style>
+          <a:lnRef idx="1">
+            <a:schemeClr val="accent1"/>
+          </a:lnRef>
+          <a:fillRef idx="0">
+            <a:schemeClr val="accent1"/>
+          </a:fillRef>
+          <a:effectRef idx="0">
+            <a:schemeClr val="accent1"/>
+          </a:effectRef>
+          <a:fontRef idx="minor">
+            <a:schemeClr val="tx1"/>
+          </a:fontRef>
+        </p:style>
+      </p:cxnSp>
+      <p:sp>
+        <p:nvSpPr>
+          <p:cNvPr id="58" name="TextBox 57">
+            <a:extLst>
+              <a:ext uri="{FF2B5EF4-FFF2-40B4-BE49-F238E27FC236}">
+                <a16:creationId xmlns:a16="http://schemas.microsoft.com/office/drawing/2014/main" id="{5B38822A-BD89-41E1-8B21-4E204693814F}"/>
               </a:ext>
             </a:extLst>
           </p:cNvPr>
@@ -4976,8 +5421,8 @@
         </p:nvSpPr>
         <p:spPr>
           <a:xfrm>
-            <a:off x="5652246" y="3190850"/>
-            <a:ext cx="1376727" cy="184666"/>
+            <a:off x="8301834" y="3568329"/>
+            <a:ext cx="878422" cy="184666"/>
           </a:xfrm>
           <a:prstGeom prst="rect">
             <a:avLst/>
@@ -5003,104 +5448,99 @@
           <a:p>
             <a:pPr algn="l"/>
             <a:r>
+              <a:rPr lang="en-US" sz="1200" dirty="0" err="1">
+                <a:solidFill>
+                  <a:srgbClr val="7030A0"/>
+                </a:solidFill>
+              </a:rPr>
+              <a:t>sortByName</a:t>
+            </a:r>
+            <a:r>
               <a:rPr lang="en-US" sz="1200" dirty="0">
                 <a:solidFill>
                   <a:srgbClr val="7030A0"/>
                 </a:solidFill>
               </a:rPr>
-              <a:t>  </a:t>
-            </a:r>
+              <a:t>()</a:t>
+            </a:r>
+            <a:endParaRPr lang="en-US" sz="1200" dirty="0"/>
+          </a:p>
+        </p:txBody>
+      </p:sp>
+      <p:sp>
+        <p:nvSpPr>
+          <p:cNvPr id="59" name="TextBox 58">
+            <a:extLst>
+              <a:ext uri="{FF2B5EF4-FFF2-40B4-BE49-F238E27FC236}">
+                <a16:creationId xmlns:a16="http://schemas.microsoft.com/office/drawing/2014/main" id="{5B8FD65C-E0DC-4361-9C52-B2F48CC0D018}"/>
+              </a:ext>
+            </a:extLst>
+          </p:cNvPr>
+          <p:cNvSpPr txBox="1"/>
+          <p:nvPr/>
+        </p:nvSpPr>
+        <p:spPr>
+          <a:xfrm>
+            <a:off x="9406151" y="3048000"/>
+            <a:ext cx="1411355" cy="369332"/>
+          </a:xfrm>
+          <a:prstGeom prst="rect">
+            <a:avLst/>
+          </a:prstGeom>
+          <a:noFill/>
+        </p:spPr>
+        <p:txBody>
+          <a:bodyPr wrap="square" lIns="0" tIns="0" rIns="0" bIns="0" rtlCol="0">
+            <a:spAutoFit/>
+          </a:bodyPr>
+          <a:lstStyle>
+            <a:defPPr>
+              <a:defRPr lang="en-US"/>
+            </a:defPPr>
+            <a:lvl1pPr algn="r">
+              <a:defRPr sz="1400">
+                <a:solidFill>
+                  <a:srgbClr val="0070C0"/>
+                </a:solidFill>
+              </a:defRPr>
+            </a:lvl1pPr>
+          </a:lstStyle>
+          <a:p>
+            <a:pPr algn="l"/>
             <a:r>
               <a:rPr lang="en-US" sz="1200" dirty="0" err="1">
                 <a:solidFill>
                   <a:srgbClr val="7030A0"/>
                 </a:solidFill>
               </a:rPr>
-              <a:t>ReadOnlyEventList</a:t>
+              <a:t>ObservableList.sort</a:t>
+            </a:r>
+            <a:endParaRPr lang="en-US" sz="1200" dirty="0">
+              <a:solidFill>
+                <a:srgbClr val="7030A0"/>
+              </a:solidFill>
+            </a:endParaRPr>
+          </a:p>
+          <a:p>
+            <a:pPr algn="l"/>
+            <a:r>
+              <a:rPr lang="en-US" sz="1200" dirty="0">
+                <a:solidFill>
+                  <a:srgbClr val="7030A0"/>
+                </a:solidFill>
+              </a:rPr>
+              <a:t>(Comparator&lt;Event&gt;)</a:t>
             </a:r>
             <a:endParaRPr lang="en-US" sz="1200" dirty="0"/>
           </a:p>
         </p:txBody>
       </p:sp>
-      <p:sp>
-        <p:nvSpPr>
-          <p:cNvPr id="48" name="Rectangle 62">
+      <p:cxnSp>
+        <p:nvCxnSpPr>
+          <p:cNvPr id="60" name="Straight Arrow Connector 59">
             <a:extLst>
               <a:ext uri="{FF2B5EF4-FFF2-40B4-BE49-F238E27FC236}">
-                <a16:creationId xmlns:a16="http://schemas.microsoft.com/office/drawing/2014/main" id="{4D23FA39-71AA-4097-948B-8B69345FAF5B}"/>
-              </a:ext>
-            </a:extLst>
-          </p:cNvPr>
-          <p:cNvSpPr/>
-          <p:nvPr/>
-        </p:nvSpPr>
-        <p:spPr>
-          <a:xfrm>
-            <a:off x="7214051" y="1899550"/>
-            <a:ext cx="1830434" cy="333846"/>
-          </a:xfrm>
-          <a:prstGeom prst="rect">
-            <a:avLst/>
-          </a:prstGeom>
-          <a:solidFill>
-            <a:srgbClr val="7030A0"/>
-          </a:solidFill>
-          <a:ln w="19050">
-            <a:solidFill>
-              <a:srgbClr val="7030A0"/>
-            </a:solidFill>
-          </a:ln>
-          <a:effectLst/>
-        </p:spPr>
-        <p:style>
-          <a:lnRef idx="1">
-            <a:schemeClr val="accent2"/>
-          </a:lnRef>
-          <a:fillRef idx="2">
-            <a:schemeClr val="accent2"/>
-          </a:fillRef>
-          <a:effectRef idx="1">
-            <a:schemeClr val="accent2"/>
-          </a:effectRef>
-          <a:fontRef idx="minor">
-            <a:schemeClr val="dk1"/>
-          </a:fontRef>
-        </p:style>
-        <p:txBody>
-          <a:bodyPr rtlCol="0" anchor="ctr"/>
-          <a:lstStyle/>
-          <a:p>
-            <a:pPr algn="ctr"/>
-            <a:r>
-              <a:rPr lang="en-US" sz="1600" dirty="0">
-                <a:solidFill>
-                  <a:schemeClr val="bg1"/>
-                </a:solidFill>
-              </a:rPr>
-              <a:t>: </a:t>
-            </a:r>
-            <a:r>
-              <a:rPr lang="en-US" sz="1600" dirty="0" err="1">
-                <a:solidFill>
-                  <a:schemeClr val="bg1"/>
-                </a:solidFill>
-              </a:rPr>
-              <a:t>ReadOnlyEventList</a:t>
-            </a:r>
-            <a:endParaRPr lang="en-SG" sz="1600" dirty="0">
-              <a:solidFill>
-                <a:schemeClr val="bg1"/>
-              </a:solidFill>
-            </a:endParaRPr>
-          </a:p>
-        </p:txBody>
-      </p:sp>
-      <p:cxnSp>
-        <p:nvCxnSpPr>
-          <p:cNvPr id="51" name="Straight Connector 50">
-            <a:extLst>
-              <a:ext uri="{FF2B5EF4-FFF2-40B4-BE49-F238E27FC236}">
-                <a16:creationId xmlns:a16="http://schemas.microsoft.com/office/drawing/2014/main" id="{DDBD79A9-8D7E-4A8B-A1A5-3EFD3BA2927D}"/>
+                <a16:creationId xmlns:a16="http://schemas.microsoft.com/office/drawing/2014/main" id="{93BDD94A-F3ED-4D28-9E46-3B4A11C770F1}"/>
               </a:ext>
             </a:extLst>
           </p:cNvPr>
@@ -5110,11 +5550,11 @@
           <p:nvPr/>
         </p:nvCxnSpPr>
         <p:spPr>
-          <a:xfrm>
-            <a:off x="8130508" y="2233396"/>
-            <a:ext cx="0" cy="2155620"/>
-          </a:xfrm>
-          <a:prstGeom prst="line">
+          <a:xfrm flipV="1">
+            <a:off x="8229600" y="3886200"/>
+            <a:ext cx="1051644" cy="1"/>
+          </a:xfrm>
+          <a:prstGeom prst="straightConnector1">
             <a:avLst/>
           </a:prstGeom>
           <a:ln w="19050">
@@ -5122,104 +5562,8 @@
               <a:srgbClr val="7030A0"/>
             </a:solidFill>
             <a:prstDash val="sysDash"/>
-          </a:ln>
-          <a:effectLst/>
-        </p:spPr>
-        <p:style>
-          <a:lnRef idx="1">
-            <a:schemeClr val="accent1"/>
-          </a:lnRef>
-          <a:fillRef idx="2">
-            <a:schemeClr val="accent1"/>
-          </a:fillRef>
-          <a:effectRef idx="1">
-            <a:schemeClr val="accent1"/>
-          </a:effectRef>
-          <a:fontRef idx="minor">
-            <a:schemeClr val="dk1"/>
-          </a:fontRef>
-        </p:style>
-      </p:cxnSp>
-      <p:sp>
-        <p:nvSpPr>
-          <p:cNvPr id="53" name="Rectangle 52">
-            <a:extLst>
-              <a:ext uri="{FF2B5EF4-FFF2-40B4-BE49-F238E27FC236}">
-                <a16:creationId xmlns:a16="http://schemas.microsoft.com/office/drawing/2014/main" id="{232A9423-93F6-4CF7-80E9-F4F15CBF183C}"/>
-              </a:ext>
-            </a:extLst>
-          </p:cNvPr>
-          <p:cNvSpPr/>
-          <p:nvPr/>
-        </p:nvSpPr>
-        <p:spPr>
-          <a:xfrm>
-            <a:off x="8065178" y="3489368"/>
-            <a:ext cx="164422" cy="547094"/>
-          </a:xfrm>
-          <a:prstGeom prst="rect">
-            <a:avLst/>
-          </a:prstGeom>
-          <a:solidFill>
-            <a:srgbClr val="7030A0"/>
-          </a:solidFill>
-          <a:ln>
-            <a:solidFill>
-              <a:srgbClr val="7030A0"/>
-            </a:solidFill>
-          </a:ln>
-          <a:effectLst/>
-        </p:spPr>
-        <p:style>
-          <a:lnRef idx="1">
-            <a:schemeClr val="accent3"/>
-          </a:lnRef>
-          <a:fillRef idx="2">
-            <a:schemeClr val="accent3"/>
-          </a:fillRef>
-          <a:effectRef idx="1">
-            <a:schemeClr val="accent3"/>
-          </a:effectRef>
-          <a:fontRef idx="minor">
-            <a:schemeClr val="dk1"/>
-          </a:fontRef>
-        </p:style>
-        <p:txBody>
-          <a:bodyPr rtlCol="0" anchor="ctr"/>
-          <a:lstStyle/>
-          <a:p>
-            <a:pPr algn="ctr"/>
-            <a:endParaRPr lang="en-SG" sz="1400"/>
-          </a:p>
-        </p:txBody>
-      </p:sp>
-      <p:cxnSp>
-        <p:nvCxnSpPr>
-          <p:cNvPr id="54" name="Straight Arrow Connector 53">
-            <a:extLst>
-              <a:ext uri="{FF2B5EF4-FFF2-40B4-BE49-F238E27FC236}">
-                <a16:creationId xmlns:a16="http://schemas.microsoft.com/office/drawing/2014/main" id="{398A67A9-FAF9-41C8-8FB5-04E2A16F171E}"/>
-              </a:ext>
-            </a:extLst>
-          </p:cNvPr>
-          <p:cNvCxnSpPr>
-            <a:cxnSpLocks/>
-          </p:cNvCxnSpPr>
-          <p:nvPr/>
-        </p:nvCxnSpPr>
-        <p:spPr>
-          <a:xfrm>
-            <a:off x="5694079" y="3691619"/>
-            <a:ext cx="2386896" cy="6154"/>
-          </a:xfrm>
-          <a:prstGeom prst="straightConnector1">
-            <a:avLst/>
-          </a:prstGeom>
-          <a:ln w="19050">
-            <a:solidFill>
-              <a:srgbClr val="0070C0"/>
-            </a:solidFill>
-            <a:tailEnd type="arrow"/>
+            <a:headEnd type="arrow" w="med" len="med"/>
+            <a:tailEnd type="none" w="med" len="med"/>
           </a:ln>
         </p:spPr>
         <p:style>
@@ -5237,66 +5581,142 @@
           </a:fontRef>
         </p:style>
       </p:cxnSp>
-      <p:sp>
-        <p:nvSpPr>
-          <p:cNvPr id="57" name="TextBox 56">
+      <p:cxnSp>
+        <p:nvCxnSpPr>
+          <p:cNvPr id="61" name="Straight Arrow Connector 60">
             <a:extLst>
               <a:ext uri="{FF2B5EF4-FFF2-40B4-BE49-F238E27FC236}">
-                <a16:creationId xmlns:a16="http://schemas.microsoft.com/office/drawing/2014/main" id="{1AB24466-D0FE-4719-8532-A2E596F390AD}"/>
+                <a16:creationId xmlns:a16="http://schemas.microsoft.com/office/drawing/2014/main" id="{A0B72D84-D60D-457B-A8C7-FF1CCDD585DC}"/>
               </a:ext>
             </a:extLst>
           </p:cNvPr>
-          <p:cNvSpPr txBox="1"/>
+          <p:cNvCxnSpPr>
+            <a:cxnSpLocks/>
+          </p:cNvCxnSpPr>
           <p:nvPr/>
-        </p:nvSpPr>
-        <p:spPr>
-          <a:xfrm>
-            <a:off x="5958696" y="3479503"/>
-            <a:ext cx="878422" cy="184666"/>
-          </a:xfrm>
-          <a:prstGeom prst="rect">
+        </p:nvCxnSpPr>
+        <p:spPr>
+          <a:xfrm flipV="1">
+            <a:off x="7033800" y="3953128"/>
+            <a:ext cx="1027875" cy="1"/>
+          </a:xfrm>
+          <a:prstGeom prst="straightConnector1">
             <a:avLst/>
           </a:prstGeom>
-          <a:noFill/>
-        </p:spPr>
-        <p:txBody>
-          <a:bodyPr wrap="square" lIns="0" tIns="0" rIns="0" bIns="0" rtlCol="0">
-            <a:spAutoFit/>
-          </a:bodyPr>
-          <a:lstStyle>
-            <a:defPPr>
-              <a:defRPr lang="en-US"/>
-            </a:defPPr>
-            <a:lvl1pPr algn="r">
-              <a:defRPr sz="1400">
-                <a:solidFill>
-                  <a:srgbClr val="0070C0"/>
-                </a:solidFill>
-              </a:defRPr>
-            </a:lvl1pPr>
-          </a:lstStyle>
-          <a:p>
-            <a:pPr algn="l"/>
-            <a:r>
-              <a:rPr lang="en-US" sz="1200" dirty="0" err="1">
-                <a:solidFill>
-                  <a:srgbClr val="7030A0"/>
-                </a:solidFill>
-              </a:rPr>
-              <a:t>sortByName</a:t>
-            </a:r>
-            <a:r>
-              <a:rPr lang="en-US" sz="1200" dirty="0">
-                <a:solidFill>
-                  <a:srgbClr val="7030A0"/>
-                </a:solidFill>
-              </a:rPr>
-              <a:t>()</a:t>
-            </a:r>
-            <a:endParaRPr lang="en-US" sz="1200" dirty="0"/>
-          </a:p>
-        </p:txBody>
-      </p:sp>
+          <a:ln w="19050">
+            <a:solidFill>
+              <a:srgbClr val="7030A0"/>
+            </a:solidFill>
+            <a:prstDash val="sysDash"/>
+            <a:headEnd type="arrow" w="med" len="med"/>
+            <a:tailEnd type="none" w="med" len="med"/>
+          </a:ln>
+        </p:spPr>
+        <p:style>
+          <a:lnRef idx="1">
+            <a:schemeClr val="accent1"/>
+          </a:lnRef>
+          <a:fillRef idx="0">
+            <a:schemeClr val="accent1"/>
+          </a:fillRef>
+          <a:effectRef idx="0">
+            <a:schemeClr val="accent1"/>
+          </a:effectRef>
+          <a:fontRef idx="minor">
+            <a:schemeClr val="tx1"/>
+          </a:fontRef>
+        </p:style>
+      </p:cxnSp>
+      <p:cxnSp>
+        <p:nvCxnSpPr>
+          <p:cNvPr id="62" name="Straight Arrow Connector 61">
+            <a:extLst>
+              <a:ext uri="{FF2B5EF4-FFF2-40B4-BE49-F238E27FC236}">
+                <a16:creationId xmlns:a16="http://schemas.microsoft.com/office/drawing/2014/main" id="{D1022484-6A69-4870-AA9E-DB678E84B88C}"/>
+              </a:ext>
+            </a:extLst>
+          </p:cNvPr>
+          <p:cNvCxnSpPr>
+            <a:cxnSpLocks/>
+          </p:cNvCxnSpPr>
+          <p:nvPr/>
+        </p:nvCxnSpPr>
+        <p:spPr>
+          <a:xfrm>
+            <a:off x="5702534" y="4001884"/>
+            <a:ext cx="1300874" cy="0"/>
+          </a:xfrm>
+          <a:prstGeom prst="straightConnector1">
+            <a:avLst/>
+          </a:prstGeom>
+          <a:ln w="19050">
+            <a:solidFill>
+              <a:srgbClr val="7030A0"/>
+            </a:solidFill>
+            <a:prstDash val="sysDash"/>
+            <a:headEnd type="arrow" w="med" len="med"/>
+            <a:tailEnd type="none" w="med" len="med"/>
+          </a:ln>
+        </p:spPr>
+        <p:style>
+          <a:lnRef idx="1">
+            <a:schemeClr val="accent1"/>
+          </a:lnRef>
+          <a:fillRef idx="0">
+            <a:schemeClr val="accent1"/>
+          </a:fillRef>
+          <a:effectRef idx="0">
+            <a:schemeClr val="accent1"/>
+          </a:effectRef>
+          <a:fontRef idx="minor">
+            <a:schemeClr val="tx1"/>
+          </a:fontRef>
+        </p:style>
+      </p:cxnSp>
+      <p:cxnSp>
+        <p:nvCxnSpPr>
+          <p:cNvPr id="64" name="Straight Arrow Connector 63">
+            <a:extLst>
+              <a:ext uri="{FF2B5EF4-FFF2-40B4-BE49-F238E27FC236}">
+                <a16:creationId xmlns:a16="http://schemas.microsoft.com/office/drawing/2014/main" id="{C96D19C1-BAF6-4B00-B9D1-9CAE218FE62E}"/>
+              </a:ext>
+            </a:extLst>
+          </p:cNvPr>
+          <p:cNvCxnSpPr>
+            <a:cxnSpLocks/>
+          </p:cNvCxnSpPr>
+          <p:nvPr/>
+        </p:nvCxnSpPr>
+        <p:spPr>
+          <a:xfrm flipV="1">
+            <a:off x="7011203" y="3403539"/>
+            <a:ext cx="1050472" cy="5705"/>
+          </a:xfrm>
+          <a:prstGeom prst="straightConnector1">
+            <a:avLst/>
+          </a:prstGeom>
+          <a:ln w="19050">
+            <a:solidFill>
+              <a:srgbClr val="7030A0"/>
+            </a:solidFill>
+            <a:tailEnd type="arrow"/>
+          </a:ln>
+        </p:spPr>
+        <p:style>
+          <a:lnRef idx="1">
+            <a:schemeClr val="accent1"/>
+          </a:lnRef>
+          <a:fillRef idx="0">
+            <a:schemeClr val="accent1"/>
+          </a:fillRef>
+          <a:effectRef idx="0">
+            <a:schemeClr val="accent1"/>
+          </a:effectRef>
+          <a:fontRef idx="minor">
+            <a:schemeClr val="tx1"/>
+          </a:fontRef>
+        </p:style>
+      </p:cxnSp>
     </p:spTree>
     <p:extLst>
       <p:ext uri="{BB962C8B-B14F-4D97-AF65-F5344CB8AC3E}">

--- a/docs/diagrams/SortSequenceDiagram.pptx
+++ b/docs/diagrams/SortSequenceDiagram.pptx
@@ -208,7 +208,7 @@
           <a:p>
             <a:fld id="{F5CC4B3F-88C1-4FFA-B1B6-F41C21DC6924}" type="datetimeFigureOut">
               <a:rPr lang="en-US" smtClean="0"/>
-              <a:t>10/19/2018</a:t>
+              <a:t>11/12/2018</a:t>
             </a:fld>
             <a:endParaRPr lang="en-US"/>
           </a:p>
@@ -743,7 +743,7 @@
           <a:p>
             <a:fld id="{78C97017-6FC3-485B-9764-EAC9E56C1D49}" type="datetimeFigureOut">
               <a:rPr lang="en-US" smtClean="0"/>
-              <a:t>10/19/2018</a:t>
+              <a:t>11/12/2018</a:t>
             </a:fld>
             <a:endParaRPr lang="en-US"/>
           </a:p>
@@ -911,7 +911,7 @@
           <a:p>
             <a:fld id="{78C97017-6FC3-485B-9764-EAC9E56C1D49}" type="datetimeFigureOut">
               <a:rPr lang="en-US" smtClean="0"/>
-              <a:t>10/19/2018</a:t>
+              <a:t>11/12/2018</a:t>
             </a:fld>
             <a:endParaRPr lang="en-US"/>
           </a:p>
@@ -1089,7 +1089,7 @@
           <a:p>
             <a:fld id="{78C97017-6FC3-485B-9764-EAC9E56C1D49}" type="datetimeFigureOut">
               <a:rPr lang="en-US" smtClean="0"/>
-              <a:t>10/19/2018</a:t>
+              <a:t>11/12/2018</a:t>
             </a:fld>
             <a:endParaRPr lang="en-US"/>
           </a:p>
@@ -1257,7 +1257,7 @@
           <a:p>
             <a:fld id="{78C97017-6FC3-485B-9764-EAC9E56C1D49}" type="datetimeFigureOut">
               <a:rPr lang="en-US" smtClean="0"/>
-              <a:t>10/19/2018</a:t>
+              <a:t>11/12/2018</a:t>
             </a:fld>
             <a:endParaRPr lang="en-US"/>
           </a:p>
@@ -1502,7 +1502,7 @@
           <a:p>
             <a:fld id="{78C97017-6FC3-485B-9764-EAC9E56C1D49}" type="datetimeFigureOut">
               <a:rPr lang="en-US" smtClean="0"/>
-              <a:t>10/19/2018</a:t>
+              <a:t>11/12/2018</a:t>
             </a:fld>
             <a:endParaRPr lang="en-US"/>
           </a:p>
@@ -1787,7 +1787,7 @@
           <a:p>
             <a:fld id="{78C97017-6FC3-485B-9764-EAC9E56C1D49}" type="datetimeFigureOut">
               <a:rPr lang="en-US" smtClean="0"/>
-              <a:t>10/19/2018</a:t>
+              <a:t>11/12/2018</a:t>
             </a:fld>
             <a:endParaRPr lang="en-US"/>
           </a:p>
@@ -2206,7 +2206,7 @@
           <a:p>
             <a:fld id="{78C97017-6FC3-485B-9764-EAC9E56C1D49}" type="datetimeFigureOut">
               <a:rPr lang="en-US" smtClean="0"/>
-              <a:t>10/19/2018</a:t>
+              <a:t>11/12/2018</a:t>
             </a:fld>
             <a:endParaRPr lang="en-US"/>
           </a:p>
@@ -2323,7 +2323,7 @@
           <a:p>
             <a:fld id="{78C97017-6FC3-485B-9764-EAC9E56C1D49}" type="datetimeFigureOut">
               <a:rPr lang="en-US" smtClean="0"/>
-              <a:t>10/19/2018</a:t>
+              <a:t>11/12/2018</a:t>
             </a:fld>
             <a:endParaRPr lang="en-US"/>
           </a:p>
@@ -2418,7 +2418,7 @@
           <a:p>
             <a:fld id="{78C97017-6FC3-485B-9764-EAC9E56C1D49}" type="datetimeFigureOut">
               <a:rPr lang="en-US" smtClean="0"/>
-              <a:t>10/19/2018</a:t>
+              <a:t>11/12/2018</a:t>
             </a:fld>
             <a:endParaRPr lang="en-US"/>
           </a:p>
@@ -2693,7 +2693,7 @@
           <a:p>
             <a:fld id="{78C97017-6FC3-485B-9764-EAC9E56C1D49}" type="datetimeFigureOut">
               <a:rPr lang="en-US" smtClean="0"/>
-              <a:t>10/19/2018</a:t>
+              <a:t>11/12/2018</a:t>
             </a:fld>
             <a:endParaRPr lang="en-US"/>
           </a:p>
@@ -2945,7 +2945,7 @@
           <a:p>
             <a:fld id="{78C97017-6FC3-485B-9764-EAC9E56C1D49}" type="datetimeFigureOut">
               <a:rPr lang="en-US" smtClean="0"/>
-              <a:t>10/19/2018</a:t>
+              <a:t>11/12/2018</a:t>
             </a:fld>
             <a:endParaRPr lang="en-US"/>
           </a:p>
@@ -3156,7 +3156,7 @@
           <a:p>
             <a:fld id="{78C97017-6FC3-485B-9764-EAC9E56C1D49}" type="datetimeFigureOut">
               <a:rPr lang="en-US" smtClean="0"/>
-              <a:t>10/19/2018</a:t>
+              <a:t>11/12/2018</a:t>
             </a:fld>
             <a:endParaRPr lang="en-US"/>
           </a:p>
@@ -3539,7 +3539,7 @@
         </p:nvSpPr>
         <p:spPr>
           <a:xfrm>
-            <a:off x="6624242" y="152400"/>
+            <a:off x="6947524" y="152400"/>
             <a:ext cx="6597105" cy="5289875"/>
           </a:xfrm>
           <a:prstGeom prst="roundRect">
@@ -3600,8 +3600,8 @@
         </p:nvSpPr>
         <p:spPr>
           <a:xfrm>
-            <a:off x="142081" y="152400"/>
-            <a:ext cx="6363704" cy="5289875"/>
+            <a:off x="113506" y="152400"/>
+            <a:ext cx="6715561" cy="5289875"/>
           </a:xfrm>
           <a:prstGeom prst="roundRect">
             <a:avLst>
@@ -3661,7 +3661,7 @@
         </p:nvSpPr>
         <p:spPr>
           <a:xfrm>
-            <a:off x="872827" y="533330"/>
+            <a:off x="1196109" y="533330"/>
             <a:ext cx="1455629" cy="346760"/>
           </a:xfrm>
           <a:prstGeom prst="rect">
@@ -3730,7 +3730,7 @@
         </p:nvCxnSpPr>
         <p:spPr>
           <a:xfrm>
-            <a:off x="1600639" y="897002"/>
+            <a:off x="1923921" y="897002"/>
             <a:ext cx="0" cy="3481399"/>
           </a:xfrm>
           <a:prstGeom prst="line">
@@ -3767,7 +3767,7 @@
         </p:nvSpPr>
         <p:spPr>
           <a:xfrm>
-            <a:off x="1528632" y="1247695"/>
+            <a:off x="1851914" y="1247695"/>
             <a:ext cx="149416" cy="3661178"/>
           </a:xfrm>
           <a:prstGeom prst="rect">
@@ -3814,7 +3814,7 @@
         </p:nvSpPr>
         <p:spPr>
           <a:xfrm>
-            <a:off x="3426868" y="412406"/>
+            <a:off x="3750150" y="412406"/>
             <a:ext cx="1455621" cy="467684"/>
           </a:xfrm>
           <a:prstGeom prst="rect">
@@ -3883,7 +3883,7 @@
         </p:nvCxnSpPr>
         <p:spPr>
           <a:xfrm>
-            <a:off x="4040267" y="897000"/>
+            <a:off x="4363549" y="897000"/>
             <a:ext cx="0" cy="1482984"/>
           </a:xfrm>
           <a:prstGeom prst="line">
@@ -3920,7 +3920,7 @@
         </p:nvSpPr>
         <p:spPr>
           <a:xfrm>
-            <a:off x="3968261" y="1355193"/>
+            <a:off x="4291543" y="1355193"/>
             <a:ext cx="154408" cy="767790"/>
           </a:xfrm>
           <a:prstGeom prst="rect">
@@ -3971,8 +3971,8 @@
         </p:nvCxnSpPr>
         <p:spPr>
           <a:xfrm flipH="1">
-            <a:off x="5591762" y="1603018"/>
-            <a:ext cx="1" cy="3010995"/>
+            <a:off x="5915044" y="1857596"/>
+            <a:ext cx="1" cy="2756417"/>
           </a:xfrm>
           <a:prstGeom prst="line">
             <a:avLst/>
@@ -4008,7 +4008,7 @@
         </p:nvSpPr>
         <p:spPr>
           <a:xfrm>
-            <a:off x="5515563" y="1603018"/>
+            <a:off x="5838845" y="1857596"/>
             <a:ext cx="152400" cy="276004"/>
           </a:xfrm>
           <a:prstGeom prst="rect">
@@ -4055,7 +4055,7 @@
         </p:nvCxnSpPr>
         <p:spPr>
           <a:xfrm>
-            <a:off x="408781" y="1251382"/>
+            <a:off x="732063" y="1251382"/>
             <a:ext cx="1119851" cy="0"/>
           </a:xfrm>
           <a:prstGeom prst="straightConnector1">
@@ -4091,8 +4091,8 @@
         </p:nvSpPr>
         <p:spPr>
           <a:xfrm>
-            <a:off x="27781" y="979983"/>
-            <a:ext cx="1424846" cy="215444"/>
+            <a:off x="154961" y="974409"/>
+            <a:ext cx="1743071" cy="215444"/>
           </a:xfrm>
           <a:prstGeom prst="rect">
             <a:avLst/>
@@ -4112,7 +4112,23 @@
                   <a:srgbClr val="0070C0"/>
                 </a:solidFill>
               </a:rPr>
-              <a:t>execute(“sort”)</a:t>
+              <a:t>execute(“sort date </a:t>
+            </a:r>
+            <a:r>
+              <a:rPr lang="en-US" sz="1400" dirty="0" err="1">
+                <a:solidFill>
+                  <a:srgbClr val="0070C0"/>
+                </a:solidFill>
+              </a:rPr>
+              <a:t>asc</a:t>
+            </a:r>
+            <a:r>
+              <a:rPr lang="en-US" sz="1400" dirty="0">
+                <a:solidFill>
+                  <a:srgbClr val="0070C0"/>
+                </a:solidFill>
+              </a:rPr>
+              <a:t>”)</a:t>
             </a:r>
           </a:p>
         </p:txBody>
@@ -4120,13 +4136,15 @@
       <p:cxnSp>
         <p:nvCxnSpPr>
           <p:cNvPr id="28" name="Straight Arrow Connector 27"/>
-          <p:cNvCxnSpPr/>
+          <p:cNvCxnSpPr>
+            <a:cxnSpLocks/>
+          </p:cNvCxnSpPr>
           <p:nvPr/>
         </p:nvCxnSpPr>
         <p:spPr>
-          <a:xfrm flipV="1">
-            <a:off x="4125652" y="1501725"/>
-            <a:ext cx="922392" cy="1"/>
+          <a:xfrm>
+            <a:off x="4448934" y="1501727"/>
+            <a:ext cx="1190610" cy="4370"/>
           </a:xfrm>
           <a:prstGeom prst="straightConnector1">
             <a:avLst/>
@@ -4161,7 +4179,7 @@
         </p:nvSpPr>
         <p:spPr>
           <a:xfrm>
-            <a:off x="3233103" y="2473455"/>
+            <a:off x="3556385" y="2473455"/>
             <a:ext cx="855809" cy="215444"/>
           </a:xfrm>
           <a:prstGeom prst="rect">
@@ -4201,7 +4219,7 @@
         </p:nvCxnSpPr>
         <p:spPr>
           <a:xfrm>
-            <a:off x="4098788" y="1867615"/>
+            <a:off x="4422070" y="1981200"/>
             <a:ext cx="1492974" cy="0"/>
           </a:xfrm>
           <a:prstGeom prst="straightConnector1">
@@ -4241,7 +4259,7 @@
         </p:nvCxnSpPr>
         <p:spPr>
           <a:xfrm>
-            <a:off x="1681032" y="2122983"/>
+            <a:off x="2004314" y="2122983"/>
             <a:ext cx="2348067" cy="0"/>
           </a:xfrm>
           <a:prstGeom prst="straightConnector1">
@@ -4279,7 +4297,7 @@
         </p:nvCxnSpPr>
         <p:spPr>
           <a:xfrm>
-            <a:off x="370680" y="4180383"/>
+            <a:off x="693962" y="4180383"/>
             <a:ext cx="1196051" cy="0"/>
           </a:xfrm>
           <a:prstGeom prst="straightConnector1">
@@ -4317,7 +4335,7 @@
         </p:nvSpPr>
         <p:spPr>
           <a:xfrm>
-            <a:off x="5516168" y="2720698"/>
+            <a:off x="5839450" y="2720698"/>
             <a:ext cx="137275" cy="1736884"/>
           </a:xfrm>
           <a:prstGeom prst="rect">
@@ -4364,8 +4382,8 @@
         </p:nvSpPr>
         <p:spPr>
           <a:xfrm>
-            <a:off x="5641227" y="2737630"/>
-            <a:ext cx="1631251" cy="184666"/>
+            <a:off x="5897688" y="2724808"/>
+            <a:ext cx="1894841" cy="184666"/>
           </a:xfrm>
           <a:prstGeom prst="rect">
             <a:avLst/>
@@ -4405,7 +4423,7 @@
                   <a:srgbClr val="7030A0"/>
                 </a:solidFill>
               </a:rPr>
-              <a:t>()</a:t>
+              <a:t>(c, o)</a:t>
             </a:r>
             <a:endParaRPr lang="en-US" sz="1200" dirty="0"/>
           </a:p>
@@ -4419,8 +4437,8 @@
         </p:nvSpPr>
         <p:spPr>
           <a:xfrm>
-            <a:off x="1874871" y="1095535"/>
-            <a:ext cx="1899551" cy="215444"/>
+            <a:off x="2015647" y="1047277"/>
+            <a:ext cx="2348066" cy="215444"/>
           </a:xfrm>
           <a:prstGeom prst="rect">
             <a:avLst/>
@@ -4450,7 +4468,15 @@
             </a:r>
             <a:r>
               <a:rPr lang="en-US" dirty="0"/>
-              <a:t>(“sort”)</a:t>
+              <a:t>(“sort date </a:t>
+            </a:r>
+            <a:r>
+              <a:rPr lang="en-US" dirty="0" err="1"/>
+              <a:t>asc</a:t>
+            </a:r>
+            <a:r>
+              <a:rPr lang="en-US" dirty="0"/>
+              <a:t>”)</a:t>
             </a:r>
           </a:p>
         </p:txBody>
@@ -4463,7 +4489,7 @@
         </p:nvSpPr>
         <p:spPr>
           <a:xfrm>
-            <a:off x="3262436" y="4146879"/>
+            <a:off x="3585718" y="4146879"/>
             <a:ext cx="621215" cy="215444"/>
           </a:xfrm>
           <a:prstGeom prst="rect">
@@ -4503,7 +4529,7 @@
         </p:nvSpPr>
         <p:spPr>
           <a:xfrm>
-            <a:off x="634952" y="3935285"/>
+            <a:off x="958234" y="3935285"/>
             <a:ext cx="761999" cy="215444"/>
           </a:xfrm>
           <a:prstGeom prst="rect">
@@ -4543,7 +4569,7 @@
         </p:nvSpPr>
         <p:spPr>
           <a:xfrm>
-            <a:off x="8174838" y="2544588"/>
+            <a:off x="8498120" y="2544588"/>
             <a:ext cx="2461259" cy="335427"/>
           </a:xfrm>
           <a:prstGeom prst="rect">
@@ -4610,7 +4636,7 @@
         </p:nvSpPr>
         <p:spPr>
           <a:xfrm>
-            <a:off x="9191891" y="3158820"/>
+            <a:off x="9515173" y="3158820"/>
             <a:ext cx="125388" cy="886555"/>
           </a:xfrm>
           <a:prstGeom prst="rect">
@@ -4657,8 +4683,8 @@
         </p:nvSpPr>
         <p:spPr>
           <a:xfrm>
-            <a:off x="2714474" y="1895176"/>
-            <a:ext cx="220342" cy="215444"/>
+            <a:off x="2434810" y="1855845"/>
+            <a:ext cx="1191092" cy="215444"/>
           </a:xfrm>
           <a:prstGeom prst="rect">
             <a:avLst/>
@@ -4684,7 +4710,7 @@
           <a:p>
             <a:r>
               <a:rPr lang="en-US" dirty="0"/>
-              <a:t>c</a:t>
+              <a:t>command</a:t>
             </a:r>
           </a:p>
         </p:txBody>
@@ -4697,7 +4723,7 @@
         </p:nvSpPr>
         <p:spPr>
           <a:xfrm>
-            <a:off x="7227446" y="2338180"/>
+            <a:off x="7550728" y="2338180"/>
             <a:ext cx="841635" cy="300180"/>
           </a:xfrm>
           <a:prstGeom prst="rect">
@@ -4758,7 +4784,7 @@
         </p:nvCxnSpPr>
         <p:spPr>
           <a:xfrm flipH="1">
-            <a:off x="7668133" y="2629286"/>
+            <a:off x="7991415" y="2629286"/>
             <a:ext cx="1" cy="2217900"/>
           </a:xfrm>
           <a:prstGeom prst="line">
@@ -4795,7 +4821,7 @@
         </p:nvSpPr>
         <p:spPr>
           <a:xfrm>
-            <a:off x="7565207" y="2918383"/>
+            <a:off x="7888489" y="2918383"/>
             <a:ext cx="221384" cy="1380896"/>
           </a:xfrm>
           <a:prstGeom prst="rect">
@@ -4844,7 +4870,7 @@
         </p:nvCxnSpPr>
         <p:spPr>
           <a:xfrm>
-            <a:off x="5675436" y="2964727"/>
+            <a:off x="5998718" y="2964727"/>
             <a:ext cx="1889771" cy="0"/>
           </a:xfrm>
           <a:prstGeom prst="straightConnector1">
@@ -4880,7 +4906,7 @@
         </p:nvSpPr>
         <p:spPr>
           <a:xfrm>
-            <a:off x="5462560" y="4614013"/>
+            <a:off x="5785842" y="4614013"/>
             <a:ext cx="258404" cy="261738"/>
           </a:xfrm>
           <a:prstGeom prst="rect">
@@ -4913,7 +4939,7 @@
         </p:nvSpPr>
         <p:spPr>
           <a:xfrm>
-            <a:off x="5025657" y="1249651"/>
+            <a:off x="5639544" y="1519662"/>
             <a:ext cx="1093636" cy="461538"/>
           </a:xfrm>
           <a:prstGeom prst="rect">
@@ -5003,7 +5029,7 @@
         </p:nvCxnSpPr>
         <p:spPr>
           <a:xfrm>
-            <a:off x="9242440" y="2924617"/>
+            <a:off x="9565722" y="2924617"/>
             <a:ext cx="12144" cy="1922571"/>
           </a:xfrm>
           <a:prstGeom prst="line">
@@ -5048,7 +5074,7 @@
         </p:nvCxnSpPr>
         <p:spPr>
           <a:xfrm>
-            <a:off x="1681032" y="2720700"/>
+            <a:off x="2004314" y="2720700"/>
             <a:ext cx="3832164" cy="1"/>
           </a:xfrm>
           <a:prstGeom prst="straightConnector1">
@@ -5092,7 +5118,7 @@
         </p:nvCxnSpPr>
         <p:spPr>
           <a:xfrm>
-            <a:off x="1697926" y="1353303"/>
+            <a:off x="2021208" y="1353303"/>
             <a:ext cx="2256705" cy="1"/>
           </a:xfrm>
           <a:prstGeom prst="straightConnector1">
@@ -5136,7 +5162,7 @@
         </p:nvCxnSpPr>
         <p:spPr>
           <a:xfrm>
-            <a:off x="1681680" y="4392264"/>
+            <a:off x="2004962" y="4392264"/>
             <a:ext cx="3831517" cy="0"/>
           </a:xfrm>
           <a:prstGeom prst="straightConnector1">
@@ -5180,7 +5206,7 @@
         </p:nvSpPr>
         <p:spPr>
           <a:xfrm>
-            <a:off x="9268455" y="3155687"/>
+            <a:off x="9135313" y="3135990"/>
             <a:ext cx="2120787" cy="184666"/>
           </a:xfrm>
           <a:prstGeom prst="rect">
@@ -5219,7 +5245,7 @@
                   <a:srgbClr val="7030A0"/>
                 </a:solidFill>
               </a:rPr>
-              <a:t>(category, ascending)</a:t>
+              <a:t>(c, o)</a:t>
             </a:r>
             <a:endParaRPr lang="en-US" sz="1200" dirty="0"/>
           </a:p>
@@ -5233,8 +5259,8 @@
         </p:nvSpPr>
         <p:spPr>
           <a:xfrm>
-            <a:off x="8001935" y="2951324"/>
-            <a:ext cx="895125" cy="184666"/>
+            <a:off x="8230009" y="2951324"/>
+            <a:ext cx="1137578" cy="184666"/>
           </a:xfrm>
           <a:prstGeom prst="rect">
             <a:avLst/>
@@ -5277,7 +5303,7 @@
                   </a:schemeClr>
                 </a:solidFill>
               </a:rPr>
-              <a:t>()</a:t>
+              <a:t>(c, o)</a:t>
             </a:r>
           </a:p>
         </p:txBody>
@@ -5292,7 +5318,7 @@
         </p:nvCxnSpPr>
         <p:spPr>
           <a:xfrm>
-            <a:off x="7721672" y="3158819"/>
+            <a:off x="8044954" y="3158819"/>
             <a:ext cx="1470216" cy="0"/>
           </a:xfrm>
           <a:prstGeom prst="straightConnector1">
@@ -5336,7 +5362,7 @@
         </p:nvCxnSpPr>
         <p:spPr>
           <a:xfrm flipV="1">
-            <a:off x="7762130" y="3882739"/>
+            <a:off x="8085412" y="3882739"/>
             <a:ext cx="1470216" cy="6325"/>
           </a:xfrm>
           <a:prstGeom prst="straightConnector1">
@@ -5382,7 +5408,7 @@
         </p:nvCxnSpPr>
         <p:spPr>
           <a:xfrm>
-            <a:off x="5686561" y="4203502"/>
+            <a:off x="6009843" y="4203502"/>
             <a:ext cx="1981694" cy="1"/>
           </a:xfrm>
           <a:prstGeom prst="straightConnector1">
@@ -5426,8 +5452,8 @@
         </p:nvSpPr>
         <p:spPr>
           <a:xfrm>
-            <a:off x="4578601" y="1638492"/>
-            <a:ext cx="220342" cy="215444"/>
+            <a:off x="4414267" y="1758732"/>
+            <a:ext cx="1163597" cy="430887"/>
           </a:xfrm>
           <a:prstGeom prst="rect">
             <a:avLst/>
@@ -5453,7 +5479,7 @@
           <a:p>
             <a:r>
               <a:rPr lang="en-US" dirty="0"/>
-              <a:t>s</a:t>
+              <a:t>Sort( category order)</a:t>
             </a:r>
           </a:p>
         </p:txBody>
@@ -5474,7 +5500,7 @@
         </p:nvCxnSpPr>
         <p:spPr>
           <a:xfrm>
-            <a:off x="9283722" y="3377184"/>
+            <a:off x="9607004" y="3377184"/>
             <a:ext cx="2105520" cy="0"/>
           </a:xfrm>
           <a:prstGeom prst="straightConnector1">
@@ -5518,7 +5544,7 @@
         </p:nvCxnSpPr>
         <p:spPr>
           <a:xfrm flipV="1">
-            <a:off x="9335076" y="3711964"/>
+            <a:off x="9658358" y="3711964"/>
             <a:ext cx="1990780" cy="1"/>
           </a:xfrm>
           <a:prstGeom prst="straightConnector1">
@@ -5562,7 +5588,7 @@
         </p:nvSpPr>
         <p:spPr>
           <a:xfrm>
-            <a:off x="11403113" y="3254307"/>
+            <a:off x="11726395" y="3254307"/>
             <a:ext cx="125388" cy="709048"/>
           </a:xfrm>
           <a:prstGeom prst="rect">
@@ -5617,7 +5643,7 @@
         </p:nvCxnSpPr>
         <p:spPr>
           <a:xfrm>
-            <a:off x="11459734" y="2926374"/>
+            <a:off x="11783016" y="2926374"/>
             <a:ext cx="12144" cy="1922571"/>
           </a:xfrm>
           <a:prstGeom prst="line">
@@ -5660,7 +5686,7 @@
         </p:nvSpPr>
         <p:spPr>
           <a:xfrm>
-            <a:off x="10904173" y="2622878"/>
+            <a:off x="11227455" y="2622878"/>
             <a:ext cx="1727003" cy="335427"/>
           </a:xfrm>
           <a:prstGeom prst="rect">
@@ -5716,6 +5742,60 @@
                 <a:schemeClr val="bg1"/>
               </a:solidFill>
             </a:endParaRPr>
+          </a:p>
+        </p:txBody>
+      </p:sp>
+      <p:sp>
+        <p:nvSpPr>
+          <p:cNvPr id="53" name="TextBox 52">
+            <a:extLst>
+              <a:ext uri="{FF2B5EF4-FFF2-40B4-BE49-F238E27FC236}">
+                <a16:creationId xmlns:a16="http://schemas.microsoft.com/office/drawing/2014/main" id="{D2404F6D-A8B7-4BAE-AF2A-33FFC61185C1}"/>
+              </a:ext>
+            </a:extLst>
+          </p:cNvPr>
+          <p:cNvSpPr txBox="1"/>
+          <p:nvPr/>
+        </p:nvSpPr>
+        <p:spPr>
+          <a:xfrm>
+            <a:off x="3471286" y="1237111"/>
+            <a:ext cx="2348066" cy="215444"/>
+          </a:xfrm>
+          <a:prstGeom prst="rect">
+            <a:avLst/>
+          </a:prstGeom>
+          <a:noFill/>
+        </p:spPr>
+        <p:txBody>
+          <a:bodyPr wrap="square" lIns="0" tIns="0" rIns="0" bIns="0" rtlCol="0">
+            <a:spAutoFit/>
+          </a:bodyPr>
+          <a:lstStyle>
+            <a:defPPr>
+              <a:defRPr lang="en-US"/>
+            </a:defPPr>
+            <a:lvl1pPr algn="r">
+              <a:defRPr sz="1400">
+                <a:solidFill>
+                  <a:srgbClr val="0070C0"/>
+                </a:solidFill>
+              </a:defRPr>
+            </a:lvl1pPr>
+          </a:lstStyle>
+          <a:p>
+            <a:r>
+              <a:rPr lang="en-US" dirty="0"/>
+              <a:t>parse (“date </a:t>
+            </a:r>
+            <a:r>
+              <a:rPr lang="en-US" dirty="0" err="1"/>
+              <a:t>asc</a:t>
+            </a:r>
+            <a:r>
+              <a:rPr lang="en-US" dirty="0"/>
+              <a:t>”)</a:t>
+            </a:r>
           </a:p>
         </p:txBody>
       </p:sp>
